--- a/个人工作空间/靳泽旭/Rational Rose PPT.pptx
+++ b/个人工作空间/靳泽旭/Rational Rose PPT.pptx
@@ -10254,7 +10254,7 @@
                 <a:latin typeface="幼圆" panose="02010509060101010101" pitchFamily="49" charset="-122"/>
                 <a:ea typeface="幼圆" panose="02010509060101010101" pitchFamily="49" charset="-122"/>
               </a:rPr>
-              <a:t>活动窗口</a:t>
+              <a:t>文档窗口</a:t>
             </a:r>
             <a:endParaRPr lang="zh-CN" altLang="en-US" sz="1600" dirty="0">
               <a:solidFill>
